--- a/Presentations/Ordenamientos.pptx
+++ b/Presentations/Ordenamientos.pptx
@@ -5950,6 +5950,13 @@
   <p:clrMapOvr>
     <a:masterClrMapping/>
   </p:clrMapOvr>
+  <p:timing>
+    <p:tnLst>
+      <p:par>
+        <p:cTn id="1" dur="indefinite" restart="never" nodeType="tmRoot"/>
+      </p:par>
+    </p:tnLst>
+  </p:timing>
 </p:sld>
 </file>
 
@@ -6211,6 +6218,13 @@
   <p:clrMapOvr>
     <a:masterClrMapping/>
   </p:clrMapOvr>
+  <p:timing>
+    <p:tnLst>
+      <p:par>
+        <p:cTn id="1" dur="indefinite" restart="never" nodeType="tmRoot"/>
+      </p:par>
+    </p:tnLst>
+  </p:timing>
 </p:sld>
 </file>
 
@@ -6275,7 +6289,7 @@
         </p:blipFill>
         <p:spPr>
           <a:xfrm>
-            <a:off x="4064893" y="2170612"/>
+            <a:off x="4167925" y="2514600"/>
             <a:ext cx="4059038" cy="3742508"/>
           </a:xfrm>
           <a:prstGeom prst="rect">
@@ -6283,6 +6297,36 @@
           </a:prstGeom>
         </p:spPr>
       </p:pic>
+      <p:sp>
+        <p:nvSpPr>
+          <p:cNvPr id="5" name="Rectángulo 4"/>
+          <p:cNvSpPr/>
+          <p:nvPr/>
+        </p:nvSpPr>
+        <p:spPr>
+          <a:xfrm>
+            <a:off x="4958015" y="1982204"/>
+            <a:ext cx="2044149" cy="369332"/>
+          </a:xfrm>
+          <a:prstGeom prst="rect">
+            <a:avLst/>
+          </a:prstGeom>
+        </p:spPr>
+        <p:txBody>
+          <a:bodyPr wrap="none">
+            <a:spAutoFit/>
+          </a:bodyPr>
+          <a:lstStyle/>
+          <a:p>
+            <a:pPr hangingPunct="0"/>
+            <a:r>
+              <a:rPr lang="es-CR" dirty="0"/>
+              <a:t>51, 21, 39, 80, 36:</a:t>
+            </a:r>
+            <a:endParaRPr lang="es-CR" dirty="0"/>
+          </a:p>
+        </p:txBody>
+      </p:sp>
     </p:spTree>
     <p:extLst>
       <p:ext uri="{BB962C8B-B14F-4D97-AF65-F5344CB8AC3E}">
@@ -6293,6 +6337,13 @@
   <p:clrMapOvr>
     <a:masterClrMapping/>
   </p:clrMapOvr>
+  <p:timing>
+    <p:tnLst>
+      <p:par>
+        <p:cTn id="1" dur="indefinite" restart="never" nodeType="tmRoot"/>
+      </p:par>
+    </p:tnLst>
+  </p:timing>
 </p:sld>
 </file>
 
@@ -6503,6 +6554,13 @@
   <p:clrMapOvr>
     <a:masterClrMapping/>
   </p:clrMapOvr>
+  <p:timing>
+    <p:tnLst>
+      <p:par>
+        <p:cTn id="1" dur="indefinite" restart="never" nodeType="tmRoot"/>
+      </p:par>
+    </p:tnLst>
+  </p:timing>
 </p:sld>
 </file>
 
@@ -6639,6 +6697,13 @@
   <p:clrMapOvr>
     <a:masterClrMapping/>
   </p:clrMapOvr>
+  <p:timing>
+    <p:tnLst>
+      <p:par>
+        <p:cTn id="1" dur="indefinite" restart="never" nodeType="tmRoot"/>
+      </p:par>
+    </p:tnLst>
+  </p:timing>
 </p:sld>
 </file>
 
@@ -6736,6 +6801,13 @@
   <p:clrMapOvr>
     <a:masterClrMapping/>
   </p:clrMapOvr>
+  <p:timing>
+    <p:tnLst>
+      <p:par>
+        <p:cTn id="1" dur="indefinite" restart="never" nodeType="tmRoot"/>
+      </p:par>
+    </p:tnLst>
+  </p:timing>
 </p:sld>
 </file>
 
@@ -6924,6 +6996,13 @@
   <p:clrMapOvr>
     <a:masterClrMapping/>
   </p:clrMapOvr>
+  <p:timing>
+    <p:tnLst>
+      <p:par>
+        <p:cTn id="1" dur="indefinite" restart="never" nodeType="tmRoot"/>
+      </p:par>
+    </p:tnLst>
+  </p:timing>
 </p:sld>
 </file>
 
@@ -9546,6 +9625,13 @@
   <p:clrMapOvr>
     <a:masterClrMapping/>
   </p:clrMapOvr>
+  <p:timing>
+    <p:tnLst>
+      <p:par>
+        <p:cTn id="1" dur="indefinite" restart="never" nodeType="tmRoot"/>
+      </p:par>
+    </p:tnLst>
+  </p:timing>
 </p:sld>
 </file>
 
@@ -9708,6 +9794,13 @@
   <p:clrMapOvr>
     <a:masterClrMapping/>
   </p:clrMapOvr>
+  <p:timing>
+    <p:tnLst>
+      <p:par>
+        <p:cTn id="1" dur="indefinite" restart="never" nodeType="tmRoot"/>
+      </p:par>
+    </p:tnLst>
+  </p:timing>
 </p:sld>
 </file>
 
@@ -10049,6 +10142,13 @@
   <p:clrMapOvr>
     <a:masterClrMapping/>
   </p:clrMapOvr>
+  <p:timing>
+    <p:tnLst>
+      <p:par>
+        <p:cTn id="1" dur="indefinite" restart="never" nodeType="tmRoot"/>
+      </p:par>
+    </p:tnLst>
+  </p:timing>
 </p:sld>
 </file>
 
@@ -10151,6 +10251,13 @@
   <p:clrMapOvr>
     <a:masterClrMapping/>
   </p:clrMapOvr>
+  <p:timing>
+    <p:tnLst>
+      <p:par>
+        <p:cTn id="1" dur="indefinite" restart="never" nodeType="tmRoot"/>
+      </p:par>
+    </p:tnLst>
+  </p:timing>
 </p:sld>
 </file>
 
@@ -10314,6 +10421,13 @@
   <p:clrMapOvr>
     <a:masterClrMapping/>
   </p:clrMapOvr>
+  <p:timing>
+    <p:tnLst>
+      <p:par>
+        <p:cTn id="1" dur="indefinite" restart="never" nodeType="tmRoot"/>
+      </p:par>
+    </p:tnLst>
+  </p:timing>
 </p:sld>
 </file>
 
